--- a/基础PPT/JavaSE进阶第二版/第5章：Java集合操作.pptx
+++ b/基础PPT/JavaSE进阶第二版/第5章：Java集合操作.pptx
@@ -19367,6 +19367,18 @@
           </a:bodyPr>
           <a:p>
             <a:r>
+              <a:rPr lang="en-US" altLang="zh-CN">
+                <a:sym typeface="+mn-ea"/>
+              </a:rPr>
+              <a:t>1</a:t>
+            </a:r>
+            <a:r>
+              <a:rPr lang="zh-CN" altLang="en-US">
+                <a:sym typeface="+mn-ea"/>
+              </a:rPr>
+              <a:t>、</a:t>
+            </a:r>
+            <a:r>
               <a:rPr lang="zh-CN" altLang="en-US">
                 <a:sym typeface="+mn-ea"/>
               </a:rPr>
@@ -19398,6 +19410,14 @@
           </a:bodyPr>
           <a:p>
             <a:r>
+              <a:rPr lang="en-US" altLang="zh-CN"/>
+              <a:t>2</a:t>
+            </a:r>
+            <a:r>
+              <a:rPr lang="zh-CN" altLang="en-US"/>
+              <a:t>、</a:t>
+            </a:r>
+            <a:r>
               <a:rPr lang="zh-CN" altLang="en-US"/>
               <a:t>集合的分类</a:t>
             </a:r>
@@ -19428,6 +19448,14 @@
           <a:p>
             <a:r>
               <a:rPr lang="en-US"/>
+              <a:t>4</a:t>
+            </a:r>
+            <a:r>
+              <a:rPr lang="zh-CN" altLang="en-US"/>
+              <a:t>、</a:t>
+            </a:r>
+            <a:r>
+              <a:rPr lang="en-US"/>
               <a:t>List </a:t>
             </a:r>
             <a:r>
@@ -19461,6 +19489,14 @@
           <a:p>
             <a:r>
               <a:rPr lang="en-US" altLang="zh-CN"/>
+              <a:t>5</a:t>
+            </a:r>
+            <a:r>
+              <a:rPr lang="zh-CN" altLang="en-US"/>
+              <a:t>、</a:t>
+            </a:r>
+            <a:r>
+              <a:rPr lang="en-US" altLang="zh-CN"/>
               <a:t>Set </a:t>
             </a:r>
             <a:r>
@@ -19497,6 +19533,18 @@
               <a:rPr lang="en-US">
                 <a:sym typeface="+mn-ea"/>
               </a:rPr>
+              <a:t>6</a:t>
+            </a:r>
+            <a:r>
+              <a:rPr lang="zh-CN" altLang="en-US">
+                <a:sym typeface="+mn-ea"/>
+              </a:rPr>
+              <a:t>、</a:t>
+            </a:r>
+            <a:r>
+              <a:rPr lang="en-US">
+                <a:sym typeface="+mn-ea"/>
+              </a:rPr>
               <a:t>Map </a:t>
             </a:r>
             <a:r>
@@ -19534,6 +19582,18 @@
           <a:p>
             <a:pPr algn="l"/>
             <a:r>
+              <a:rPr lang="en-US" altLang="zh-CN">
+                <a:sym typeface="+mn-ea"/>
+              </a:rPr>
+              <a:t>7</a:t>
+            </a:r>
+            <a:r>
+              <a:rPr lang="zh-CN" altLang="en-US">
+                <a:sym typeface="+mn-ea"/>
+              </a:rPr>
+              <a:t>、</a:t>
+            </a:r>
+            <a:r>
               <a:rPr lang="zh-CN">
                 <a:sym typeface="+mn-ea"/>
               </a:rPr>
@@ -19580,6 +19640,14 @@
           <a:p>
             <a:r>
               <a:rPr lang="en-US" altLang="zh-CN"/>
+              <a:t>8</a:t>
+            </a:r>
+            <a:r>
+              <a:rPr lang="zh-CN" altLang="en-US"/>
+              <a:t>、</a:t>
+            </a:r>
+            <a:r>
+              <a:rPr lang="en-US" altLang="zh-CN"/>
               <a:t>Stack </a:t>
             </a:r>
             <a:r>
@@ -19613,6 +19681,14 @@
           <a:p>
             <a:r>
               <a:rPr lang="en-US" altLang="zh-CN"/>
+              <a:t>9</a:t>
+            </a:r>
+            <a:r>
+              <a:rPr lang="zh-CN" altLang="en-US"/>
+              <a:t>、</a:t>
+            </a:r>
+            <a:r>
+              <a:rPr lang="en-US" altLang="zh-CN"/>
               <a:t>Queue </a:t>
             </a:r>
             <a:r>
@@ -19644,6 +19720,14 @@
             <a:spAutoFit/>
           </a:bodyPr>
           <a:p>
+            <a:r>
+              <a:rPr lang="en-US" altLang="zh-CN"/>
+              <a:t>3</a:t>
+            </a:r>
+            <a:r>
+              <a:rPr lang="zh-CN" altLang="en-US"/>
+              <a:t>、</a:t>
+            </a:r>
             <a:r>
               <a:rPr lang="zh-CN" altLang="en-US"/>
               <a:t>线性表</a:t>
